--- a/Figures/Présentation2.pptx
+++ b/Figures/Présentation2.pptx
@@ -6,9 +6,18 @@
   </p:sldMasterIdLst>
   <p:sldIdLst>
     <p:sldId id="256" r:id="rId2"/>
-    <p:sldId id="257" r:id="rId3"/>
-    <p:sldId id="258" r:id="rId4"/>
-    <p:sldId id="259" r:id="rId5"/>
+    <p:sldId id="260" r:id="rId3"/>
+    <p:sldId id="268" r:id="rId4"/>
+    <p:sldId id="261" r:id="rId5"/>
+    <p:sldId id="269" r:id="rId6"/>
+    <p:sldId id="257" r:id="rId7"/>
+    <p:sldId id="270" r:id="rId8"/>
+    <p:sldId id="262" r:id="rId9"/>
+    <p:sldId id="263" r:id="rId10"/>
+    <p:sldId id="264" r:id="rId11"/>
+    <p:sldId id="265" r:id="rId12"/>
+    <p:sldId id="266" r:id="rId13"/>
+    <p:sldId id="267" r:id="rId14"/>
   </p:sldIdLst>
   <p:sldSz cx="12192000" cy="6858000"/>
   <p:notesSz cx="6858000" cy="9144000"/>
@@ -262,7 +271,7 @@
           <a:p>
             <a:fld id="{B5AB4581-C692-0743-9C31-F8DD88C995A7}" type="datetimeFigureOut">
               <a:rPr lang="fr-FR" smtClean="0"/>
-              <a:t>28/04/2025</a:t>
+              <a:t>01/05/2025</a:t>
             </a:fld>
             <a:endParaRPr lang="fr-FR"/>
           </a:p>
@@ -460,7 +469,7 @@
           <a:p>
             <a:fld id="{B5AB4581-C692-0743-9C31-F8DD88C995A7}" type="datetimeFigureOut">
               <a:rPr lang="fr-FR" smtClean="0"/>
-              <a:t>28/04/2025</a:t>
+              <a:t>01/05/2025</a:t>
             </a:fld>
             <a:endParaRPr lang="fr-FR"/>
           </a:p>
@@ -668,7 +677,7 @@
           <a:p>
             <a:fld id="{B5AB4581-C692-0743-9C31-F8DD88C995A7}" type="datetimeFigureOut">
               <a:rPr lang="fr-FR" smtClean="0"/>
-              <a:t>28/04/2025</a:t>
+              <a:t>01/05/2025</a:t>
             </a:fld>
             <a:endParaRPr lang="fr-FR"/>
           </a:p>
@@ -866,7 +875,7 @@
           <a:p>
             <a:fld id="{B5AB4581-C692-0743-9C31-F8DD88C995A7}" type="datetimeFigureOut">
               <a:rPr lang="fr-FR" smtClean="0"/>
-              <a:t>28/04/2025</a:t>
+              <a:t>01/05/2025</a:t>
             </a:fld>
             <a:endParaRPr lang="fr-FR"/>
           </a:p>
@@ -1141,7 +1150,7 @@
           <a:p>
             <a:fld id="{B5AB4581-C692-0743-9C31-F8DD88C995A7}" type="datetimeFigureOut">
               <a:rPr lang="fr-FR" smtClean="0"/>
-              <a:t>28/04/2025</a:t>
+              <a:t>01/05/2025</a:t>
             </a:fld>
             <a:endParaRPr lang="fr-FR"/>
           </a:p>
@@ -1406,7 +1415,7 @@
           <a:p>
             <a:fld id="{B5AB4581-C692-0743-9C31-F8DD88C995A7}" type="datetimeFigureOut">
               <a:rPr lang="fr-FR" smtClean="0"/>
-              <a:t>28/04/2025</a:t>
+              <a:t>01/05/2025</a:t>
             </a:fld>
             <a:endParaRPr lang="fr-FR"/>
           </a:p>
@@ -1818,7 +1827,7 @@
           <a:p>
             <a:fld id="{B5AB4581-C692-0743-9C31-F8DD88C995A7}" type="datetimeFigureOut">
               <a:rPr lang="fr-FR" smtClean="0"/>
-              <a:t>28/04/2025</a:t>
+              <a:t>01/05/2025</a:t>
             </a:fld>
             <a:endParaRPr lang="fr-FR"/>
           </a:p>
@@ -1959,7 +1968,7 @@
           <a:p>
             <a:fld id="{B5AB4581-C692-0743-9C31-F8DD88C995A7}" type="datetimeFigureOut">
               <a:rPr lang="fr-FR" smtClean="0"/>
-              <a:t>28/04/2025</a:t>
+              <a:t>01/05/2025</a:t>
             </a:fld>
             <a:endParaRPr lang="fr-FR"/>
           </a:p>
@@ -2072,7 +2081,7 @@
           <a:p>
             <a:fld id="{B5AB4581-C692-0743-9C31-F8DD88C995A7}" type="datetimeFigureOut">
               <a:rPr lang="fr-FR" smtClean="0"/>
-              <a:t>28/04/2025</a:t>
+              <a:t>01/05/2025</a:t>
             </a:fld>
             <a:endParaRPr lang="fr-FR"/>
           </a:p>
@@ -2383,7 +2392,7 @@
           <a:p>
             <a:fld id="{B5AB4581-C692-0743-9C31-F8DD88C995A7}" type="datetimeFigureOut">
               <a:rPr lang="fr-FR" smtClean="0"/>
-              <a:t>28/04/2025</a:t>
+              <a:t>01/05/2025</a:t>
             </a:fld>
             <a:endParaRPr lang="fr-FR"/>
           </a:p>
@@ -2671,7 +2680,7 @@
           <a:p>
             <a:fld id="{B5AB4581-C692-0743-9C31-F8DD88C995A7}" type="datetimeFigureOut">
               <a:rPr lang="fr-FR" smtClean="0"/>
-              <a:t>28/04/2025</a:t>
+              <a:t>01/05/2025</a:t>
             </a:fld>
             <a:endParaRPr lang="fr-FR"/>
           </a:p>
@@ -2912,7 +2921,7 @@
           <a:p>
             <a:fld id="{B5AB4581-C692-0743-9C31-F8DD88C995A7}" type="datetimeFigureOut">
               <a:rPr lang="fr-FR" smtClean="0"/>
-              <a:t>28/04/2025</a:t>
+              <a:t>01/05/2025</a:t>
             </a:fld>
             <a:endParaRPr lang="fr-FR"/>
           </a:p>
@@ -3392,7 +3401,1233 @@
 </p:sld>
 </file>
 
+<file path=ppt/slides/slide10.xml><?xml version="1.0" encoding="utf-8"?>
+<p:sld xmlns:a="http://schemas.openxmlformats.org/drawingml/2006/main" xmlns:r="http://schemas.openxmlformats.org/officeDocument/2006/relationships" xmlns:p="http://schemas.openxmlformats.org/presentationml/2006/main">
+  <p:cSld>
+    <p:spTree>
+      <p:nvGrpSpPr>
+        <p:cNvPr id="1" name="">
+          <a:extLst>
+            <a:ext uri="{FF2B5EF4-FFF2-40B4-BE49-F238E27FC236}">
+              <a16:creationId xmlns:a16="http://schemas.microsoft.com/office/drawing/2014/main" id="{3C753CD2-8A1D-3856-0C02-2B0C377E65A8}"/>
+            </a:ext>
+          </a:extLst>
+        </p:cNvPr>
+        <p:cNvGrpSpPr/>
+        <p:nvPr/>
+      </p:nvGrpSpPr>
+      <p:grpSpPr>
+        <a:xfrm>
+          <a:off x="0" y="0"/>
+          <a:ext cx="0" cy="0"/>
+          <a:chOff x="0" y="0"/>
+          <a:chExt cx="0" cy="0"/>
+        </a:xfrm>
+      </p:grpSpPr>
+      <p:sp>
+        <p:nvSpPr>
+          <p:cNvPr id="2" name="Titre 1">
+            <a:extLst>
+              <a:ext uri="{FF2B5EF4-FFF2-40B4-BE49-F238E27FC236}">
+                <a16:creationId xmlns:a16="http://schemas.microsoft.com/office/drawing/2014/main" id="{197B3915-E568-52BE-A760-F09D58C223F3}"/>
+              </a:ext>
+            </a:extLst>
+          </p:cNvPr>
+          <p:cNvSpPr>
+            <a:spLocks noGrp="1"/>
+          </p:cNvSpPr>
+          <p:nvPr>
+            <p:ph type="title"/>
+          </p:nvPr>
+        </p:nvSpPr>
+        <p:spPr/>
+        <p:txBody>
+          <a:bodyPr/>
+          <a:lstStyle/>
+          <a:p>
+            <a:r>
+              <a:rPr lang="fr-FR" dirty="0"/>
+              <a:t>Test 6 </a:t>
+            </a:r>
+            <a:r>
+              <a:rPr lang="fr-FR" dirty="0" err="1"/>
+              <a:t>after</a:t>
+            </a:r>
+            <a:endParaRPr lang="fr-FR" dirty="0"/>
+          </a:p>
+        </p:txBody>
+      </p:sp>
+      <p:sp>
+        <p:nvSpPr>
+          <p:cNvPr id="7" name="Rectangle 6">
+            <a:extLst>
+              <a:ext uri="{FF2B5EF4-FFF2-40B4-BE49-F238E27FC236}">
+                <a16:creationId xmlns:a16="http://schemas.microsoft.com/office/drawing/2014/main" id="{38AB0751-770A-19A0-0522-F8D3026EAA10}"/>
+              </a:ext>
+            </a:extLst>
+          </p:cNvPr>
+          <p:cNvSpPr/>
+          <p:nvPr/>
+        </p:nvSpPr>
+        <p:spPr>
+          <a:xfrm>
+            <a:off x="2932387" y="2315999"/>
+            <a:ext cx="7641021" cy="798786"/>
+          </a:xfrm>
+          <a:prstGeom prst="rect">
+            <a:avLst/>
+          </a:prstGeom>
+        </p:spPr>
+        <p:style>
+          <a:lnRef idx="2">
+            <a:schemeClr val="accent1">
+              <a:shade val="15000"/>
+            </a:schemeClr>
+          </a:lnRef>
+          <a:fillRef idx="1">
+            <a:schemeClr val="accent1"/>
+          </a:fillRef>
+          <a:effectRef idx="0">
+            <a:schemeClr val="accent1"/>
+          </a:effectRef>
+          <a:fontRef idx="minor">
+            <a:schemeClr val="lt1"/>
+          </a:fontRef>
+        </p:style>
+        <p:txBody>
+          <a:bodyPr rtlCol="0" anchor="ctr"/>
+          <a:lstStyle/>
+          <a:p>
+            <a:pPr algn="ctr"/>
+            <a:endParaRPr lang="fr-FR"/>
+          </a:p>
+        </p:txBody>
+      </p:sp>
+      <p:pic>
+        <p:nvPicPr>
+          <p:cNvPr id="6" name="Image 5">
+            <a:extLst>
+              <a:ext uri="{FF2B5EF4-FFF2-40B4-BE49-F238E27FC236}">
+                <a16:creationId xmlns:a16="http://schemas.microsoft.com/office/drawing/2014/main" id="{C20E7F73-7CC5-59B3-4C2C-ED29123C13B2}"/>
+              </a:ext>
+            </a:extLst>
+          </p:cNvPr>
+          <p:cNvPicPr>
+            <a:picLocks noChangeAspect="1"/>
+          </p:cNvPicPr>
+          <p:nvPr/>
+        </p:nvPicPr>
+        <p:blipFill>
+          <a:blip r:embed="rId2"/>
+          <a:stretch>
+            <a:fillRect/>
+          </a:stretch>
+        </p:blipFill>
+        <p:spPr>
+          <a:xfrm rot="10800000">
+            <a:off x="3629352" y="2835447"/>
+            <a:ext cx="5829957" cy="1809297"/>
+          </a:xfrm>
+          <a:prstGeom prst="rect">
+            <a:avLst/>
+          </a:prstGeom>
+        </p:spPr>
+      </p:pic>
+    </p:spTree>
+    <p:extLst>
+      <p:ext uri="{BB962C8B-B14F-4D97-AF65-F5344CB8AC3E}">
+        <p14:creationId xmlns:p14="http://schemas.microsoft.com/office/powerpoint/2010/main" val="4005898600"/>
+      </p:ext>
+    </p:extLst>
+  </p:cSld>
+  <p:clrMapOvr>
+    <a:masterClrMapping/>
+  </p:clrMapOvr>
+</p:sld>
+</file>
+
+<file path=ppt/slides/slide11.xml><?xml version="1.0" encoding="utf-8"?>
+<p:sld xmlns:a="http://schemas.openxmlformats.org/drawingml/2006/main" xmlns:r="http://schemas.openxmlformats.org/officeDocument/2006/relationships" xmlns:p="http://schemas.openxmlformats.org/presentationml/2006/main">
+  <p:cSld>
+    <p:spTree>
+      <p:nvGrpSpPr>
+        <p:cNvPr id="1" name="">
+          <a:extLst>
+            <a:ext uri="{FF2B5EF4-FFF2-40B4-BE49-F238E27FC236}">
+              <a16:creationId xmlns:a16="http://schemas.microsoft.com/office/drawing/2014/main" id="{0E171223-FE26-B22B-6460-0EBE7D620039}"/>
+            </a:ext>
+          </a:extLst>
+        </p:cNvPr>
+        <p:cNvGrpSpPr/>
+        <p:nvPr/>
+      </p:nvGrpSpPr>
+      <p:grpSpPr>
+        <a:xfrm>
+          <a:off x="0" y="0"/>
+          <a:ext cx="0" cy="0"/>
+          <a:chOff x="0" y="0"/>
+          <a:chExt cx="0" cy="0"/>
+        </a:xfrm>
+      </p:grpSpPr>
+      <p:sp>
+        <p:nvSpPr>
+          <p:cNvPr id="2" name="Titre 1">
+            <a:extLst>
+              <a:ext uri="{FF2B5EF4-FFF2-40B4-BE49-F238E27FC236}">
+                <a16:creationId xmlns:a16="http://schemas.microsoft.com/office/drawing/2014/main" id="{37E76CE5-92A6-EB1A-2484-0B1D5B8C4584}"/>
+              </a:ext>
+            </a:extLst>
+          </p:cNvPr>
+          <p:cNvSpPr>
+            <a:spLocks noGrp="1"/>
+          </p:cNvSpPr>
+          <p:nvPr>
+            <p:ph type="title"/>
+          </p:nvPr>
+        </p:nvSpPr>
+        <p:spPr/>
+        <p:txBody>
+          <a:bodyPr/>
+          <a:lstStyle/>
+          <a:p>
+            <a:r>
+              <a:rPr lang="fr-FR" dirty="0"/>
+              <a:t>Test 7 </a:t>
+            </a:r>
+            <a:r>
+              <a:rPr lang="fr-FR" dirty="0" err="1"/>
+              <a:t>after</a:t>
+            </a:r>
+            <a:endParaRPr lang="fr-FR" dirty="0"/>
+          </a:p>
+        </p:txBody>
+      </p:sp>
+      <p:sp>
+        <p:nvSpPr>
+          <p:cNvPr id="7" name="Rectangle 6">
+            <a:extLst>
+              <a:ext uri="{FF2B5EF4-FFF2-40B4-BE49-F238E27FC236}">
+                <a16:creationId xmlns:a16="http://schemas.microsoft.com/office/drawing/2014/main" id="{21686F2F-C7EB-3EAF-BEB9-0BF1CC22B220}"/>
+              </a:ext>
+            </a:extLst>
+          </p:cNvPr>
+          <p:cNvSpPr/>
+          <p:nvPr/>
+        </p:nvSpPr>
+        <p:spPr>
+          <a:xfrm>
+            <a:off x="2932387" y="2315999"/>
+            <a:ext cx="7641021" cy="798786"/>
+          </a:xfrm>
+          <a:prstGeom prst="rect">
+            <a:avLst/>
+          </a:prstGeom>
+        </p:spPr>
+        <p:style>
+          <a:lnRef idx="2">
+            <a:schemeClr val="accent1">
+              <a:shade val="15000"/>
+            </a:schemeClr>
+          </a:lnRef>
+          <a:fillRef idx="1">
+            <a:schemeClr val="accent1"/>
+          </a:fillRef>
+          <a:effectRef idx="0">
+            <a:schemeClr val="accent1"/>
+          </a:effectRef>
+          <a:fontRef idx="minor">
+            <a:schemeClr val="lt1"/>
+          </a:fontRef>
+        </p:style>
+        <p:txBody>
+          <a:bodyPr rtlCol="0" anchor="ctr"/>
+          <a:lstStyle/>
+          <a:p>
+            <a:pPr algn="ctr"/>
+            <a:endParaRPr lang="fr-FR"/>
+          </a:p>
+        </p:txBody>
+      </p:sp>
+      <p:pic>
+        <p:nvPicPr>
+          <p:cNvPr id="4" name="Image 3">
+            <a:extLst>
+              <a:ext uri="{FF2B5EF4-FFF2-40B4-BE49-F238E27FC236}">
+                <a16:creationId xmlns:a16="http://schemas.microsoft.com/office/drawing/2014/main" id="{06B212D0-286D-CEDA-3D58-2FDFC49D912B}"/>
+              </a:ext>
+            </a:extLst>
+          </p:cNvPr>
+          <p:cNvPicPr>
+            <a:picLocks noChangeAspect="1"/>
+          </p:cNvPicPr>
+          <p:nvPr/>
+        </p:nvPicPr>
+        <p:blipFill>
+          <a:blip r:embed="rId2"/>
+          <a:stretch>
+            <a:fillRect/>
+          </a:stretch>
+        </p:blipFill>
+        <p:spPr>
+          <a:xfrm rot="10800000">
+            <a:off x="3356523" y="2842471"/>
+            <a:ext cx="6460139" cy="2068518"/>
+          </a:xfrm>
+          <a:prstGeom prst="rect">
+            <a:avLst/>
+          </a:prstGeom>
+        </p:spPr>
+      </p:pic>
+    </p:spTree>
+    <p:extLst>
+      <p:ext uri="{BB962C8B-B14F-4D97-AF65-F5344CB8AC3E}">
+        <p14:creationId xmlns:p14="http://schemas.microsoft.com/office/powerpoint/2010/main" val="1101969393"/>
+      </p:ext>
+    </p:extLst>
+  </p:cSld>
+  <p:clrMapOvr>
+    <a:masterClrMapping/>
+  </p:clrMapOvr>
+</p:sld>
+</file>
+
+<file path=ppt/slides/slide12.xml><?xml version="1.0" encoding="utf-8"?>
+<p:sld xmlns:a="http://schemas.openxmlformats.org/drawingml/2006/main" xmlns:r="http://schemas.openxmlformats.org/officeDocument/2006/relationships" xmlns:p="http://schemas.openxmlformats.org/presentationml/2006/main">
+  <p:cSld>
+    <p:spTree>
+      <p:nvGrpSpPr>
+        <p:cNvPr id="1" name="">
+          <a:extLst>
+            <a:ext uri="{FF2B5EF4-FFF2-40B4-BE49-F238E27FC236}">
+              <a16:creationId xmlns:a16="http://schemas.microsoft.com/office/drawing/2014/main" id="{3BFF4FE5-14EA-A80E-2F52-D8F5DFE8982F}"/>
+            </a:ext>
+          </a:extLst>
+        </p:cNvPr>
+        <p:cNvGrpSpPr/>
+        <p:nvPr/>
+      </p:nvGrpSpPr>
+      <p:grpSpPr>
+        <a:xfrm>
+          <a:off x="0" y="0"/>
+          <a:ext cx="0" cy="0"/>
+          <a:chOff x="0" y="0"/>
+          <a:chExt cx="0" cy="0"/>
+        </a:xfrm>
+      </p:grpSpPr>
+      <p:sp>
+        <p:nvSpPr>
+          <p:cNvPr id="2" name="Titre 1">
+            <a:extLst>
+              <a:ext uri="{FF2B5EF4-FFF2-40B4-BE49-F238E27FC236}">
+                <a16:creationId xmlns:a16="http://schemas.microsoft.com/office/drawing/2014/main" id="{C99CE94B-787F-291F-FA56-04F3DE12B1ED}"/>
+              </a:ext>
+            </a:extLst>
+          </p:cNvPr>
+          <p:cNvSpPr>
+            <a:spLocks noGrp="1"/>
+          </p:cNvSpPr>
+          <p:nvPr>
+            <p:ph type="title"/>
+          </p:nvPr>
+        </p:nvSpPr>
+        <p:spPr/>
+        <p:txBody>
+          <a:bodyPr/>
+          <a:lstStyle/>
+          <a:p>
+            <a:r>
+              <a:rPr lang="fr-FR" dirty="0"/>
+              <a:t>Test 8 </a:t>
+            </a:r>
+            <a:r>
+              <a:rPr lang="fr-FR" dirty="0" err="1"/>
+              <a:t>after</a:t>
+            </a:r>
+            <a:endParaRPr lang="fr-FR" dirty="0"/>
+          </a:p>
+        </p:txBody>
+      </p:sp>
+      <p:sp>
+        <p:nvSpPr>
+          <p:cNvPr id="7" name="Rectangle 6">
+            <a:extLst>
+              <a:ext uri="{FF2B5EF4-FFF2-40B4-BE49-F238E27FC236}">
+                <a16:creationId xmlns:a16="http://schemas.microsoft.com/office/drawing/2014/main" id="{AB661A1E-BD50-CE82-8B7B-12EF08B8C0B9}"/>
+              </a:ext>
+            </a:extLst>
+          </p:cNvPr>
+          <p:cNvSpPr/>
+          <p:nvPr/>
+        </p:nvSpPr>
+        <p:spPr>
+          <a:xfrm>
+            <a:off x="2932387" y="2315999"/>
+            <a:ext cx="7641021" cy="798786"/>
+          </a:xfrm>
+          <a:prstGeom prst="rect">
+            <a:avLst/>
+          </a:prstGeom>
+        </p:spPr>
+        <p:style>
+          <a:lnRef idx="2">
+            <a:schemeClr val="accent1">
+              <a:shade val="15000"/>
+            </a:schemeClr>
+          </a:lnRef>
+          <a:fillRef idx="1">
+            <a:schemeClr val="accent1"/>
+          </a:fillRef>
+          <a:effectRef idx="0">
+            <a:schemeClr val="accent1"/>
+          </a:effectRef>
+          <a:fontRef idx="minor">
+            <a:schemeClr val="lt1"/>
+          </a:fontRef>
+        </p:style>
+        <p:txBody>
+          <a:bodyPr rtlCol="0" anchor="ctr"/>
+          <a:lstStyle/>
+          <a:p>
+            <a:pPr algn="ctr"/>
+            <a:endParaRPr lang="fr-FR"/>
+          </a:p>
+        </p:txBody>
+      </p:sp>
+      <p:pic>
+        <p:nvPicPr>
+          <p:cNvPr id="3" name="Image 2">
+            <a:extLst>
+              <a:ext uri="{FF2B5EF4-FFF2-40B4-BE49-F238E27FC236}">
+                <a16:creationId xmlns:a16="http://schemas.microsoft.com/office/drawing/2014/main" id="{0B36F187-33EA-35E0-2A87-0A8250DBEBA5}"/>
+              </a:ext>
+            </a:extLst>
+          </p:cNvPr>
+          <p:cNvPicPr>
+            <a:picLocks noChangeAspect="1"/>
+          </p:cNvPicPr>
+          <p:nvPr/>
+        </p:nvPicPr>
+        <p:blipFill>
+          <a:blip r:embed="rId2"/>
+          <a:stretch>
+            <a:fillRect/>
+          </a:stretch>
+        </p:blipFill>
+        <p:spPr>
+          <a:xfrm rot="10800000">
+            <a:off x="3412797" y="2847287"/>
+            <a:ext cx="6298762" cy="2016845"/>
+          </a:xfrm>
+          <a:prstGeom prst="rect">
+            <a:avLst/>
+          </a:prstGeom>
+        </p:spPr>
+      </p:pic>
+    </p:spTree>
+    <p:extLst>
+      <p:ext uri="{BB962C8B-B14F-4D97-AF65-F5344CB8AC3E}">
+        <p14:creationId xmlns:p14="http://schemas.microsoft.com/office/powerpoint/2010/main" val="795287455"/>
+      </p:ext>
+    </p:extLst>
+  </p:cSld>
+  <p:clrMapOvr>
+    <a:masterClrMapping/>
+  </p:clrMapOvr>
+</p:sld>
+</file>
+
+<file path=ppt/slides/slide13.xml><?xml version="1.0" encoding="utf-8"?>
+<p:sld xmlns:a="http://schemas.openxmlformats.org/drawingml/2006/main" xmlns:r="http://schemas.openxmlformats.org/officeDocument/2006/relationships" xmlns:p="http://schemas.openxmlformats.org/presentationml/2006/main">
+  <p:cSld>
+    <p:spTree>
+      <p:nvGrpSpPr>
+        <p:cNvPr id="1" name="">
+          <a:extLst>
+            <a:ext uri="{FF2B5EF4-FFF2-40B4-BE49-F238E27FC236}">
+              <a16:creationId xmlns:a16="http://schemas.microsoft.com/office/drawing/2014/main" id="{D2A77266-36D5-F0FD-E003-3A6526E4E82C}"/>
+            </a:ext>
+          </a:extLst>
+        </p:cNvPr>
+        <p:cNvGrpSpPr/>
+        <p:nvPr/>
+      </p:nvGrpSpPr>
+      <p:grpSpPr>
+        <a:xfrm>
+          <a:off x="0" y="0"/>
+          <a:ext cx="0" cy="0"/>
+          <a:chOff x="0" y="0"/>
+          <a:chExt cx="0" cy="0"/>
+        </a:xfrm>
+      </p:grpSpPr>
+      <p:sp>
+        <p:nvSpPr>
+          <p:cNvPr id="2" name="Titre 1">
+            <a:extLst>
+              <a:ext uri="{FF2B5EF4-FFF2-40B4-BE49-F238E27FC236}">
+                <a16:creationId xmlns:a16="http://schemas.microsoft.com/office/drawing/2014/main" id="{66BD9366-763C-C3CF-D53D-42D2E76376D1}"/>
+              </a:ext>
+            </a:extLst>
+          </p:cNvPr>
+          <p:cNvSpPr>
+            <a:spLocks noGrp="1"/>
+          </p:cNvSpPr>
+          <p:nvPr>
+            <p:ph type="title"/>
+          </p:nvPr>
+        </p:nvSpPr>
+        <p:spPr/>
+        <p:txBody>
+          <a:bodyPr/>
+          <a:lstStyle/>
+          <a:p>
+            <a:r>
+              <a:rPr lang="fr-FR" dirty="0"/>
+              <a:t>Test 9 </a:t>
+            </a:r>
+            <a:r>
+              <a:rPr lang="fr-FR" dirty="0" err="1"/>
+              <a:t>before</a:t>
+            </a:r>
+            <a:endParaRPr lang="fr-FR" dirty="0"/>
+          </a:p>
+        </p:txBody>
+      </p:sp>
+      <p:sp>
+        <p:nvSpPr>
+          <p:cNvPr id="7" name="Rectangle 6">
+            <a:extLst>
+              <a:ext uri="{FF2B5EF4-FFF2-40B4-BE49-F238E27FC236}">
+                <a16:creationId xmlns:a16="http://schemas.microsoft.com/office/drawing/2014/main" id="{E0C3A63E-164C-2E8A-90CB-0C04A9C7D239}"/>
+              </a:ext>
+            </a:extLst>
+          </p:cNvPr>
+          <p:cNvSpPr/>
+          <p:nvPr/>
+        </p:nvSpPr>
+        <p:spPr>
+          <a:xfrm>
+            <a:off x="2932387" y="2315999"/>
+            <a:ext cx="7641021" cy="798786"/>
+          </a:xfrm>
+          <a:prstGeom prst="rect">
+            <a:avLst/>
+          </a:prstGeom>
+        </p:spPr>
+        <p:style>
+          <a:lnRef idx="2">
+            <a:schemeClr val="accent1">
+              <a:shade val="15000"/>
+            </a:schemeClr>
+          </a:lnRef>
+          <a:fillRef idx="1">
+            <a:schemeClr val="accent1"/>
+          </a:fillRef>
+          <a:effectRef idx="0">
+            <a:schemeClr val="accent1"/>
+          </a:effectRef>
+          <a:fontRef idx="minor">
+            <a:schemeClr val="lt1"/>
+          </a:fontRef>
+        </p:style>
+        <p:txBody>
+          <a:bodyPr rtlCol="0" anchor="ctr"/>
+          <a:lstStyle/>
+          <a:p>
+            <a:pPr algn="ctr"/>
+            <a:endParaRPr lang="fr-FR"/>
+          </a:p>
+        </p:txBody>
+      </p:sp>
+      <p:pic>
+        <p:nvPicPr>
+          <p:cNvPr id="4" name="Image 3">
+            <a:extLst>
+              <a:ext uri="{FF2B5EF4-FFF2-40B4-BE49-F238E27FC236}">
+                <a16:creationId xmlns:a16="http://schemas.microsoft.com/office/drawing/2014/main" id="{F551B61F-A120-6DB0-D2F2-5D39700CD690}"/>
+              </a:ext>
+            </a:extLst>
+          </p:cNvPr>
+          <p:cNvPicPr>
+            <a:picLocks noChangeAspect="1"/>
+          </p:cNvPicPr>
+          <p:nvPr/>
+        </p:nvPicPr>
+        <p:blipFill>
+          <a:blip r:embed="rId2"/>
+          <a:stretch>
+            <a:fillRect/>
+          </a:stretch>
+        </p:blipFill>
+        <p:spPr>
+          <a:xfrm>
+            <a:off x="4182241" y="2400082"/>
+            <a:ext cx="4909207" cy="3247629"/>
+          </a:xfrm>
+          <a:prstGeom prst="rect">
+            <a:avLst/>
+          </a:prstGeom>
+        </p:spPr>
+      </p:pic>
+    </p:spTree>
+    <p:extLst>
+      <p:ext uri="{BB962C8B-B14F-4D97-AF65-F5344CB8AC3E}">
+        <p14:creationId xmlns:p14="http://schemas.microsoft.com/office/powerpoint/2010/main" val="3506318676"/>
+      </p:ext>
+    </p:extLst>
+  </p:cSld>
+  <p:clrMapOvr>
+    <a:masterClrMapping/>
+  </p:clrMapOvr>
+</p:sld>
+</file>
+
 <file path=ppt/slides/slide2.xml><?xml version="1.0" encoding="utf-8"?>
+<p:sld xmlns:a="http://schemas.openxmlformats.org/drawingml/2006/main" xmlns:r="http://schemas.openxmlformats.org/officeDocument/2006/relationships" xmlns:p="http://schemas.openxmlformats.org/presentationml/2006/main">
+  <p:cSld>
+    <p:spTree>
+      <p:nvGrpSpPr>
+        <p:cNvPr id="1" name="">
+          <a:extLst>
+            <a:ext uri="{FF2B5EF4-FFF2-40B4-BE49-F238E27FC236}">
+              <a16:creationId xmlns:a16="http://schemas.microsoft.com/office/drawing/2014/main" id="{78E35B4C-056D-EE47-DA23-C11A3C6D78E0}"/>
+            </a:ext>
+          </a:extLst>
+        </p:cNvPr>
+        <p:cNvGrpSpPr/>
+        <p:nvPr/>
+      </p:nvGrpSpPr>
+      <p:grpSpPr>
+        <a:xfrm>
+          <a:off x="0" y="0"/>
+          <a:ext cx="0" cy="0"/>
+          <a:chOff x="0" y="0"/>
+          <a:chExt cx="0" cy="0"/>
+        </a:xfrm>
+      </p:grpSpPr>
+      <p:sp>
+        <p:nvSpPr>
+          <p:cNvPr id="2" name="Titre 1">
+            <a:extLst>
+              <a:ext uri="{FF2B5EF4-FFF2-40B4-BE49-F238E27FC236}">
+                <a16:creationId xmlns:a16="http://schemas.microsoft.com/office/drawing/2014/main" id="{6F5F11B6-3A26-F5D1-6AE4-1995AA44FCBB}"/>
+              </a:ext>
+            </a:extLst>
+          </p:cNvPr>
+          <p:cNvSpPr>
+            <a:spLocks noGrp="1"/>
+          </p:cNvSpPr>
+          <p:nvPr>
+            <p:ph type="title"/>
+          </p:nvPr>
+        </p:nvSpPr>
+        <p:spPr/>
+        <p:txBody>
+          <a:bodyPr/>
+          <a:lstStyle/>
+          <a:p>
+            <a:r>
+              <a:rPr lang="fr-FR" dirty="0"/>
+              <a:t>Test 1 </a:t>
+            </a:r>
+            <a:r>
+              <a:rPr lang="fr-FR" dirty="0" err="1"/>
+              <a:t>after</a:t>
+            </a:r>
+            <a:endParaRPr lang="fr-FR" dirty="0"/>
+          </a:p>
+        </p:txBody>
+      </p:sp>
+      <p:pic>
+        <p:nvPicPr>
+          <p:cNvPr id="3" name="Image 2">
+            <a:extLst>
+              <a:ext uri="{FF2B5EF4-FFF2-40B4-BE49-F238E27FC236}">
+                <a16:creationId xmlns:a16="http://schemas.microsoft.com/office/drawing/2014/main" id="{FF9F1D3A-78D6-B282-168B-B8D9162EE69D}"/>
+              </a:ext>
+            </a:extLst>
+          </p:cNvPr>
+          <p:cNvPicPr>
+            <a:picLocks noChangeAspect="1"/>
+          </p:cNvPicPr>
+          <p:nvPr/>
+        </p:nvPicPr>
+        <p:blipFill>
+          <a:blip r:embed="rId2"/>
+          <a:stretch>
+            <a:fillRect/>
+          </a:stretch>
+        </p:blipFill>
+        <p:spPr>
+          <a:xfrm>
+            <a:off x="2357453" y="1128500"/>
+            <a:ext cx="7721966" cy="3832383"/>
+          </a:xfrm>
+          <a:prstGeom prst="rect">
+            <a:avLst/>
+          </a:prstGeom>
+        </p:spPr>
+      </p:pic>
+      <p:sp>
+        <p:nvSpPr>
+          <p:cNvPr id="7" name="Rectangle 6">
+            <a:extLst>
+              <a:ext uri="{FF2B5EF4-FFF2-40B4-BE49-F238E27FC236}">
+                <a16:creationId xmlns:a16="http://schemas.microsoft.com/office/drawing/2014/main" id="{98B3C242-D96D-A921-5204-9971F0C4747E}"/>
+              </a:ext>
+            </a:extLst>
+          </p:cNvPr>
+          <p:cNvSpPr/>
+          <p:nvPr/>
+        </p:nvSpPr>
+        <p:spPr>
+          <a:xfrm>
+            <a:off x="2438398" y="1690688"/>
+            <a:ext cx="7641021" cy="798786"/>
+          </a:xfrm>
+          <a:prstGeom prst="rect">
+            <a:avLst/>
+          </a:prstGeom>
+        </p:spPr>
+        <p:style>
+          <a:lnRef idx="2">
+            <a:schemeClr val="accent1">
+              <a:shade val="15000"/>
+            </a:schemeClr>
+          </a:lnRef>
+          <a:fillRef idx="1">
+            <a:schemeClr val="accent1"/>
+          </a:fillRef>
+          <a:effectRef idx="0">
+            <a:schemeClr val="accent1"/>
+          </a:effectRef>
+          <a:fontRef idx="minor">
+            <a:schemeClr val="lt1"/>
+          </a:fontRef>
+        </p:style>
+        <p:txBody>
+          <a:bodyPr rtlCol="0" anchor="ctr"/>
+          <a:lstStyle/>
+          <a:p>
+            <a:pPr algn="ctr"/>
+            <a:endParaRPr lang="fr-FR"/>
+          </a:p>
+        </p:txBody>
+      </p:sp>
+    </p:spTree>
+    <p:extLst>
+      <p:ext uri="{BB962C8B-B14F-4D97-AF65-F5344CB8AC3E}">
+        <p14:creationId xmlns:p14="http://schemas.microsoft.com/office/powerpoint/2010/main" val="3656008566"/>
+      </p:ext>
+    </p:extLst>
+  </p:cSld>
+  <p:clrMapOvr>
+    <a:masterClrMapping/>
+  </p:clrMapOvr>
+</p:sld>
+</file>
+
+<file path=ppt/slides/slide3.xml><?xml version="1.0" encoding="utf-8"?>
+<p:sld xmlns:a="http://schemas.openxmlformats.org/drawingml/2006/main" xmlns:r="http://schemas.openxmlformats.org/officeDocument/2006/relationships" xmlns:p="http://schemas.openxmlformats.org/presentationml/2006/main">
+  <p:cSld>
+    <p:spTree>
+      <p:nvGrpSpPr>
+        <p:cNvPr id="1" name="">
+          <a:extLst>
+            <a:ext uri="{FF2B5EF4-FFF2-40B4-BE49-F238E27FC236}">
+              <a16:creationId xmlns:a16="http://schemas.microsoft.com/office/drawing/2014/main" id="{0E18F577-290F-B784-FEB9-6977B1EA8766}"/>
+            </a:ext>
+          </a:extLst>
+        </p:cNvPr>
+        <p:cNvGrpSpPr/>
+        <p:nvPr/>
+      </p:nvGrpSpPr>
+      <p:grpSpPr>
+        <a:xfrm>
+          <a:off x="0" y="0"/>
+          <a:ext cx="0" cy="0"/>
+          <a:chOff x="0" y="0"/>
+          <a:chExt cx="0" cy="0"/>
+        </a:xfrm>
+      </p:grpSpPr>
+      <p:sp>
+        <p:nvSpPr>
+          <p:cNvPr id="2" name="Titre 1">
+            <a:extLst>
+              <a:ext uri="{FF2B5EF4-FFF2-40B4-BE49-F238E27FC236}">
+                <a16:creationId xmlns:a16="http://schemas.microsoft.com/office/drawing/2014/main" id="{7D647BAF-0C29-D900-38A2-D0286B8D65C0}"/>
+              </a:ext>
+            </a:extLst>
+          </p:cNvPr>
+          <p:cNvSpPr>
+            <a:spLocks noGrp="1"/>
+          </p:cNvSpPr>
+          <p:nvPr>
+            <p:ph type="title"/>
+          </p:nvPr>
+        </p:nvSpPr>
+        <p:spPr/>
+        <p:txBody>
+          <a:bodyPr/>
+          <a:lstStyle/>
+          <a:p>
+            <a:r>
+              <a:rPr lang="fr-FR" dirty="0"/>
+              <a:t>Test 1 </a:t>
+            </a:r>
+            <a:r>
+              <a:rPr lang="fr-FR" dirty="0" err="1"/>
+              <a:t>after</a:t>
+            </a:r>
+            <a:r>
+              <a:rPr lang="fr-FR" dirty="0"/>
+              <a:t> flip</a:t>
+            </a:r>
+          </a:p>
+        </p:txBody>
+      </p:sp>
+      <p:pic>
+        <p:nvPicPr>
+          <p:cNvPr id="3" name="Image 2">
+            <a:extLst>
+              <a:ext uri="{FF2B5EF4-FFF2-40B4-BE49-F238E27FC236}">
+                <a16:creationId xmlns:a16="http://schemas.microsoft.com/office/drawing/2014/main" id="{CFB1ACC1-81CC-ACEC-B6AF-F9686DECF8DA}"/>
+              </a:ext>
+            </a:extLst>
+          </p:cNvPr>
+          <p:cNvPicPr>
+            <a:picLocks noChangeAspect="1"/>
+          </p:cNvPicPr>
+          <p:nvPr/>
+        </p:nvPicPr>
+        <p:blipFill>
+          <a:blip r:embed="rId2"/>
+          <a:stretch>
+            <a:fillRect/>
+          </a:stretch>
+        </p:blipFill>
+        <p:spPr>
+          <a:xfrm rot="10800000">
+            <a:off x="2357453" y="1128500"/>
+            <a:ext cx="7721966" cy="3832383"/>
+          </a:xfrm>
+          <a:prstGeom prst="rect">
+            <a:avLst/>
+          </a:prstGeom>
+        </p:spPr>
+      </p:pic>
+      <p:sp>
+        <p:nvSpPr>
+          <p:cNvPr id="7" name="Rectangle 6">
+            <a:extLst>
+              <a:ext uri="{FF2B5EF4-FFF2-40B4-BE49-F238E27FC236}">
+                <a16:creationId xmlns:a16="http://schemas.microsoft.com/office/drawing/2014/main" id="{60AA4358-29DE-9A5B-B2C3-E0D8D0A7A7B8}"/>
+              </a:ext>
+            </a:extLst>
+          </p:cNvPr>
+          <p:cNvSpPr/>
+          <p:nvPr/>
+        </p:nvSpPr>
+        <p:spPr>
+          <a:xfrm>
+            <a:off x="2438398" y="1690688"/>
+            <a:ext cx="7641021" cy="798786"/>
+          </a:xfrm>
+          <a:prstGeom prst="rect">
+            <a:avLst/>
+          </a:prstGeom>
+        </p:spPr>
+        <p:style>
+          <a:lnRef idx="2">
+            <a:schemeClr val="accent1">
+              <a:shade val="15000"/>
+            </a:schemeClr>
+          </a:lnRef>
+          <a:fillRef idx="1">
+            <a:schemeClr val="accent1"/>
+          </a:fillRef>
+          <a:effectRef idx="0">
+            <a:schemeClr val="accent1"/>
+          </a:effectRef>
+          <a:fontRef idx="minor">
+            <a:schemeClr val="lt1"/>
+          </a:fontRef>
+        </p:style>
+        <p:txBody>
+          <a:bodyPr rtlCol="0" anchor="ctr"/>
+          <a:lstStyle/>
+          <a:p>
+            <a:pPr algn="ctr"/>
+            <a:endParaRPr lang="fr-FR"/>
+          </a:p>
+        </p:txBody>
+      </p:sp>
+    </p:spTree>
+    <p:extLst>
+      <p:ext uri="{BB962C8B-B14F-4D97-AF65-F5344CB8AC3E}">
+        <p14:creationId xmlns:p14="http://schemas.microsoft.com/office/powerpoint/2010/main" val="1736380855"/>
+      </p:ext>
+    </p:extLst>
+  </p:cSld>
+  <p:clrMapOvr>
+    <a:masterClrMapping/>
+  </p:clrMapOvr>
+</p:sld>
+</file>
+
+<file path=ppt/slides/slide4.xml><?xml version="1.0" encoding="utf-8"?>
+<p:sld xmlns:a="http://schemas.openxmlformats.org/drawingml/2006/main" xmlns:r="http://schemas.openxmlformats.org/officeDocument/2006/relationships" xmlns:p="http://schemas.openxmlformats.org/presentationml/2006/main">
+  <p:cSld>
+    <p:spTree>
+      <p:nvGrpSpPr>
+        <p:cNvPr id="1" name="">
+          <a:extLst>
+            <a:ext uri="{FF2B5EF4-FFF2-40B4-BE49-F238E27FC236}">
+              <a16:creationId xmlns:a16="http://schemas.microsoft.com/office/drawing/2014/main" id="{DFEBBCC2-6E2B-031B-99C7-D294F7BFCF44}"/>
+            </a:ext>
+          </a:extLst>
+        </p:cNvPr>
+        <p:cNvGrpSpPr/>
+        <p:nvPr/>
+      </p:nvGrpSpPr>
+      <p:grpSpPr>
+        <a:xfrm>
+          <a:off x="0" y="0"/>
+          <a:ext cx="0" cy="0"/>
+          <a:chOff x="0" y="0"/>
+          <a:chExt cx="0" cy="0"/>
+        </a:xfrm>
+      </p:grpSpPr>
+      <p:sp>
+        <p:nvSpPr>
+          <p:cNvPr id="2" name="Titre 1">
+            <a:extLst>
+              <a:ext uri="{FF2B5EF4-FFF2-40B4-BE49-F238E27FC236}">
+                <a16:creationId xmlns:a16="http://schemas.microsoft.com/office/drawing/2014/main" id="{60689C27-492E-7F95-9161-569B3527AEE6}"/>
+              </a:ext>
+            </a:extLst>
+          </p:cNvPr>
+          <p:cNvSpPr>
+            <a:spLocks noGrp="1"/>
+          </p:cNvSpPr>
+          <p:nvPr>
+            <p:ph type="title"/>
+          </p:nvPr>
+        </p:nvSpPr>
+        <p:spPr/>
+        <p:txBody>
+          <a:bodyPr/>
+          <a:lstStyle/>
+          <a:p>
+            <a:r>
+              <a:rPr lang="fr-FR" dirty="0"/>
+              <a:t>Test 2 </a:t>
+            </a:r>
+            <a:r>
+              <a:rPr lang="fr-FR" dirty="0" err="1"/>
+              <a:t>after</a:t>
+            </a:r>
+            <a:endParaRPr lang="fr-FR" dirty="0"/>
+          </a:p>
+        </p:txBody>
+      </p:sp>
+      <p:pic>
+        <p:nvPicPr>
+          <p:cNvPr id="5" name="Image 4">
+            <a:extLst>
+              <a:ext uri="{FF2B5EF4-FFF2-40B4-BE49-F238E27FC236}">
+                <a16:creationId xmlns:a16="http://schemas.microsoft.com/office/drawing/2014/main" id="{97646ADC-425A-01A4-8C83-3C6A2FB859AC}"/>
+              </a:ext>
+            </a:extLst>
+          </p:cNvPr>
+          <p:cNvPicPr>
+            <a:picLocks noChangeAspect="1"/>
+          </p:cNvPicPr>
+          <p:nvPr/>
+        </p:nvPicPr>
+        <p:blipFill>
+          <a:blip r:embed="rId2"/>
+          <a:stretch>
+            <a:fillRect/>
+          </a:stretch>
+        </p:blipFill>
+        <p:spPr>
+          <a:xfrm rot="341422">
+            <a:off x="5384800" y="2889250"/>
+            <a:ext cx="1422400" cy="1079500"/>
+          </a:xfrm>
+          <a:prstGeom prst="rect">
+            <a:avLst/>
+          </a:prstGeom>
+        </p:spPr>
+      </p:pic>
+      <p:pic>
+        <p:nvPicPr>
+          <p:cNvPr id="3" name="Image 2">
+            <a:extLst>
+              <a:ext uri="{FF2B5EF4-FFF2-40B4-BE49-F238E27FC236}">
+                <a16:creationId xmlns:a16="http://schemas.microsoft.com/office/drawing/2014/main" id="{F9EAFDC6-899B-D507-1220-26D464A67C30}"/>
+              </a:ext>
+            </a:extLst>
+          </p:cNvPr>
+          <p:cNvPicPr>
+            <a:picLocks noChangeAspect="1"/>
+          </p:cNvPicPr>
+          <p:nvPr/>
+        </p:nvPicPr>
+        <p:blipFill>
+          <a:blip r:embed="rId3"/>
+          <a:stretch>
+            <a:fillRect/>
+          </a:stretch>
+        </p:blipFill>
+        <p:spPr>
+          <a:xfrm>
+            <a:off x="2291256" y="2285104"/>
+            <a:ext cx="8671033" cy="2882900"/>
+          </a:xfrm>
+          <a:prstGeom prst="rect">
+            <a:avLst/>
+          </a:prstGeom>
+        </p:spPr>
+      </p:pic>
+      <p:sp>
+        <p:nvSpPr>
+          <p:cNvPr id="7" name="Rectangle 6">
+            <a:extLst>
+              <a:ext uri="{FF2B5EF4-FFF2-40B4-BE49-F238E27FC236}">
+                <a16:creationId xmlns:a16="http://schemas.microsoft.com/office/drawing/2014/main" id="{E16F4C94-5165-5C9E-4EE1-3C76D3991BD9}"/>
+              </a:ext>
+            </a:extLst>
+          </p:cNvPr>
+          <p:cNvSpPr/>
+          <p:nvPr/>
+        </p:nvSpPr>
+        <p:spPr>
+          <a:xfrm>
+            <a:off x="2932387" y="2315999"/>
+            <a:ext cx="7641021" cy="798786"/>
+          </a:xfrm>
+          <a:prstGeom prst="rect">
+            <a:avLst/>
+          </a:prstGeom>
+        </p:spPr>
+        <p:style>
+          <a:lnRef idx="2">
+            <a:schemeClr val="accent1">
+              <a:shade val="15000"/>
+            </a:schemeClr>
+          </a:lnRef>
+          <a:fillRef idx="1">
+            <a:schemeClr val="accent1"/>
+          </a:fillRef>
+          <a:effectRef idx="0">
+            <a:schemeClr val="accent1"/>
+          </a:effectRef>
+          <a:fontRef idx="minor">
+            <a:schemeClr val="lt1"/>
+          </a:fontRef>
+        </p:style>
+        <p:txBody>
+          <a:bodyPr rtlCol="0" anchor="ctr"/>
+          <a:lstStyle/>
+          <a:p>
+            <a:pPr algn="ctr"/>
+            <a:endParaRPr lang="fr-FR"/>
+          </a:p>
+        </p:txBody>
+      </p:sp>
+    </p:spTree>
+    <p:extLst>
+      <p:ext uri="{BB962C8B-B14F-4D97-AF65-F5344CB8AC3E}">
+        <p14:creationId xmlns:p14="http://schemas.microsoft.com/office/powerpoint/2010/main" val="4003166169"/>
+      </p:ext>
+    </p:extLst>
+  </p:cSld>
+  <p:clrMapOvr>
+    <a:masterClrMapping/>
+  </p:clrMapOvr>
+</p:sld>
+</file>
+
+<file path=ppt/slides/slide5.xml><?xml version="1.0" encoding="utf-8"?>
+<p:sld xmlns:a="http://schemas.openxmlformats.org/drawingml/2006/main" xmlns:r="http://schemas.openxmlformats.org/officeDocument/2006/relationships" xmlns:p="http://schemas.openxmlformats.org/presentationml/2006/main">
+  <p:cSld>
+    <p:spTree>
+      <p:nvGrpSpPr>
+        <p:cNvPr id="1" name="">
+          <a:extLst>
+            <a:ext uri="{FF2B5EF4-FFF2-40B4-BE49-F238E27FC236}">
+              <a16:creationId xmlns:a16="http://schemas.microsoft.com/office/drawing/2014/main" id="{F2882F0B-6351-8914-9BEA-4825CB676C3D}"/>
+            </a:ext>
+          </a:extLst>
+        </p:cNvPr>
+        <p:cNvGrpSpPr/>
+        <p:nvPr/>
+      </p:nvGrpSpPr>
+      <p:grpSpPr>
+        <a:xfrm>
+          <a:off x="0" y="0"/>
+          <a:ext cx="0" cy="0"/>
+          <a:chOff x="0" y="0"/>
+          <a:chExt cx="0" cy="0"/>
+        </a:xfrm>
+      </p:grpSpPr>
+      <p:sp>
+        <p:nvSpPr>
+          <p:cNvPr id="2" name="Titre 1">
+            <a:extLst>
+              <a:ext uri="{FF2B5EF4-FFF2-40B4-BE49-F238E27FC236}">
+                <a16:creationId xmlns:a16="http://schemas.microsoft.com/office/drawing/2014/main" id="{47877BA5-9BDD-BFB3-DD01-75F3D23B7DF9}"/>
+              </a:ext>
+            </a:extLst>
+          </p:cNvPr>
+          <p:cNvSpPr>
+            <a:spLocks noGrp="1"/>
+          </p:cNvSpPr>
+          <p:nvPr>
+            <p:ph type="title"/>
+          </p:nvPr>
+        </p:nvSpPr>
+        <p:spPr/>
+        <p:txBody>
+          <a:bodyPr/>
+          <a:lstStyle/>
+          <a:p>
+            <a:r>
+              <a:rPr lang="fr-FR" dirty="0"/>
+              <a:t>Test 2 </a:t>
+            </a:r>
+            <a:r>
+              <a:rPr lang="fr-FR" dirty="0" err="1"/>
+              <a:t>after</a:t>
+            </a:r>
+            <a:r>
+              <a:rPr lang="fr-FR" dirty="0"/>
+              <a:t> flip</a:t>
+            </a:r>
+          </a:p>
+        </p:txBody>
+      </p:sp>
+      <p:pic>
+        <p:nvPicPr>
+          <p:cNvPr id="5" name="Image 4">
+            <a:extLst>
+              <a:ext uri="{FF2B5EF4-FFF2-40B4-BE49-F238E27FC236}">
+                <a16:creationId xmlns:a16="http://schemas.microsoft.com/office/drawing/2014/main" id="{30F8EB31-ADC8-5EE0-0537-E16ED0CB719B}"/>
+              </a:ext>
+            </a:extLst>
+          </p:cNvPr>
+          <p:cNvPicPr>
+            <a:picLocks noChangeAspect="1"/>
+          </p:cNvPicPr>
+          <p:nvPr/>
+        </p:nvPicPr>
+        <p:blipFill>
+          <a:blip r:embed="rId2"/>
+          <a:stretch>
+            <a:fillRect/>
+          </a:stretch>
+        </p:blipFill>
+        <p:spPr>
+          <a:xfrm rot="341422">
+            <a:off x="5384800" y="2889250"/>
+            <a:ext cx="1422400" cy="1079500"/>
+          </a:xfrm>
+          <a:prstGeom prst="rect">
+            <a:avLst/>
+          </a:prstGeom>
+        </p:spPr>
+      </p:pic>
+      <p:pic>
+        <p:nvPicPr>
+          <p:cNvPr id="3" name="Image 2">
+            <a:extLst>
+              <a:ext uri="{FF2B5EF4-FFF2-40B4-BE49-F238E27FC236}">
+                <a16:creationId xmlns:a16="http://schemas.microsoft.com/office/drawing/2014/main" id="{47396800-2012-F461-5118-B9373A210585}"/>
+              </a:ext>
+            </a:extLst>
+          </p:cNvPr>
+          <p:cNvPicPr>
+            <a:picLocks noChangeAspect="1"/>
+          </p:cNvPicPr>
+          <p:nvPr/>
+        </p:nvPicPr>
+        <p:blipFill>
+          <a:blip r:embed="rId3"/>
+          <a:stretch>
+            <a:fillRect/>
+          </a:stretch>
+        </p:blipFill>
+        <p:spPr>
+          <a:xfrm rot="10800000">
+            <a:off x="2280745" y="2085407"/>
+            <a:ext cx="8671033" cy="2882900"/>
+          </a:xfrm>
+          <a:prstGeom prst="rect">
+            <a:avLst/>
+          </a:prstGeom>
+        </p:spPr>
+      </p:pic>
+      <p:sp>
+        <p:nvSpPr>
+          <p:cNvPr id="7" name="Rectangle 6">
+            <a:extLst>
+              <a:ext uri="{FF2B5EF4-FFF2-40B4-BE49-F238E27FC236}">
+                <a16:creationId xmlns:a16="http://schemas.microsoft.com/office/drawing/2014/main" id="{0F9DE425-3A91-000B-5B78-F0A2EBC66722}"/>
+              </a:ext>
+            </a:extLst>
+          </p:cNvPr>
+          <p:cNvSpPr/>
+          <p:nvPr/>
+        </p:nvSpPr>
+        <p:spPr>
+          <a:xfrm>
+            <a:off x="2932387" y="2315999"/>
+            <a:ext cx="7641021" cy="798786"/>
+          </a:xfrm>
+          <a:prstGeom prst="rect">
+            <a:avLst/>
+          </a:prstGeom>
+        </p:spPr>
+        <p:style>
+          <a:lnRef idx="2">
+            <a:schemeClr val="accent1">
+              <a:shade val="15000"/>
+            </a:schemeClr>
+          </a:lnRef>
+          <a:fillRef idx="1">
+            <a:schemeClr val="accent1"/>
+          </a:fillRef>
+          <a:effectRef idx="0">
+            <a:schemeClr val="accent1"/>
+          </a:effectRef>
+          <a:fontRef idx="minor">
+            <a:schemeClr val="lt1"/>
+          </a:fontRef>
+        </p:style>
+        <p:txBody>
+          <a:bodyPr rtlCol="0" anchor="ctr"/>
+          <a:lstStyle/>
+          <a:p>
+            <a:pPr algn="ctr"/>
+            <a:endParaRPr lang="fr-FR"/>
+          </a:p>
+        </p:txBody>
+      </p:sp>
+    </p:spTree>
+    <p:extLst>
+      <p:ext uri="{BB962C8B-B14F-4D97-AF65-F5344CB8AC3E}">
+        <p14:creationId xmlns:p14="http://schemas.microsoft.com/office/powerpoint/2010/main" val="1653994352"/>
+      </p:ext>
+    </p:extLst>
+  </p:cSld>
+  <p:clrMapOvr>
+    <a:masterClrMapping/>
+  </p:clrMapOvr>
+</p:sld>
+</file>
+
+<file path=ppt/slides/slide6.xml><?xml version="1.0" encoding="utf-8"?>
 <p:sld xmlns:a="http://schemas.openxmlformats.org/drawingml/2006/main" xmlns:r="http://schemas.openxmlformats.org/officeDocument/2006/relationships" xmlns:p="http://schemas.openxmlformats.org/presentationml/2006/main">
   <p:cSld>
     <p:spTree>
@@ -3432,8 +4667,13 @@
           <a:p>
             <a:r>
               <a:rPr lang="fr-FR" dirty="0"/>
-              <a:t>Test 3</a:t>
-            </a:r>
+              <a:t>Test 3 </a:t>
+            </a:r>
+            <a:r>
+              <a:rPr lang="fr-FR" dirty="0" err="1"/>
+              <a:t>after</a:t>
+            </a:r>
+            <a:endParaRPr lang="fr-FR" dirty="0"/>
           </a:p>
         </p:txBody>
       </p:sp>
@@ -3488,8 +4728,8 @@
           </a:stretch>
         </p:blipFill>
         <p:spPr>
-          <a:xfrm rot="759812">
-            <a:off x="2209799" y="1490951"/>
+          <a:xfrm rot="11565691">
+            <a:off x="2209799" y="1772392"/>
             <a:ext cx="7772400" cy="3644872"/>
           </a:xfrm>
           <a:prstGeom prst="rect">
@@ -3556,7 +4796,7 @@
 </p:sld>
 </file>
 
-<file path=ppt/slides/slide3.xml><?xml version="1.0" encoding="utf-8"?>
+<file path=ppt/slides/slide7.xml><?xml version="1.0" encoding="utf-8"?>
 <p:sld xmlns:a="http://schemas.openxmlformats.org/drawingml/2006/main" xmlns:r="http://schemas.openxmlformats.org/officeDocument/2006/relationships" xmlns:p="http://schemas.openxmlformats.org/presentationml/2006/main">
   <p:cSld>
     <p:spTree>
@@ -3564,7 +4804,7 @@
         <p:cNvPr id="1" name="">
           <a:extLst>
             <a:ext uri="{FF2B5EF4-FFF2-40B4-BE49-F238E27FC236}">
-              <a16:creationId xmlns:a16="http://schemas.microsoft.com/office/drawing/2014/main" id="{F226CC59-1FE7-687C-1EBB-ABED94C45BFF}"/>
+              <a16:creationId xmlns:a16="http://schemas.microsoft.com/office/drawing/2014/main" id="{C4C9A8E7-051A-BD7E-8C9C-82C5B8B2C353}"/>
             </a:ext>
           </a:extLst>
         </p:cNvPr>
@@ -3584,7 +4824,7 @@
           <p:cNvPr id="2" name="Titre 1">
             <a:extLst>
               <a:ext uri="{FF2B5EF4-FFF2-40B4-BE49-F238E27FC236}">
-                <a16:creationId xmlns:a16="http://schemas.microsoft.com/office/drawing/2014/main" id="{139AC98E-0979-5D30-FD78-7147B72385BA}"/>
+                <a16:creationId xmlns:a16="http://schemas.microsoft.com/office/drawing/2014/main" id="{6759DE81-3638-605E-5C98-DB411143AC47}"/>
               </a:ext>
             </a:extLst>
           </p:cNvPr>
@@ -3602,17 +4842,25 @@
           <a:p>
             <a:r>
               <a:rPr lang="fr-FR" dirty="0"/>
-              <a:t>Test 4</a:t>
+              <a:t>Test 3 </a:t>
+            </a:r>
+            <a:r>
+              <a:rPr lang="fr-FR" dirty="0" err="1"/>
+              <a:t>after</a:t>
+            </a:r>
+            <a:r>
+              <a:rPr lang="fr-FR" dirty="0"/>
+              <a:t> flip</a:t>
             </a:r>
           </a:p>
         </p:txBody>
       </p:sp>
       <p:pic>
         <p:nvPicPr>
-          <p:cNvPr id="4" name="Image 3">
-            <a:extLst>
-              <a:ext uri="{FF2B5EF4-FFF2-40B4-BE49-F238E27FC236}">
-                <a16:creationId xmlns:a16="http://schemas.microsoft.com/office/drawing/2014/main" id="{1312662B-4EE2-3424-0E31-409EDF7EF294}"/>
+          <p:cNvPr id="5" name="Image 4">
+            <a:extLst>
+              <a:ext uri="{FF2B5EF4-FFF2-40B4-BE49-F238E27FC236}">
+                <a16:creationId xmlns:a16="http://schemas.microsoft.com/office/drawing/2014/main" id="{C8B31CD6-358E-94A3-CC57-B00FC57BCB98}"/>
               </a:ext>
             </a:extLst>
           </p:cNvPr>
@@ -3628,21 +4876,51 @@
           </a:stretch>
         </p:blipFill>
         <p:spPr>
-          <a:xfrm rot="342013">
-            <a:off x="2498831" y="1337405"/>
-            <a:ext cx="7772400" cy="4026819"/>
+          <a:xfrm rot="341422">
+            <a:off x="5384800" y="2889250"/>
+            <a:ext cx="1422400" cy="1079500"/>
           </a:xfrm>
           <a:prstGeom prst="rect">
             <a:avLst/>
           </a:prstGeom>
         </p:spPr>
       </p:pic>
+      <p:pic>
+        <p:nvPicPr>
+          <p:cNvPr id="6" name="Image 5">
+            <a:extLst>
+              <a:ext uri="{FF2B5EF4-FFF2-40B4-BE49-F238E27FC236}">
+                <a16:creationId xmlns:a16="http://schemas.microsoft.com/office/drawing/2014/main" id="{D0B2937C-211B-287F-0E24-1B5BEB0849EF}"/>
+              </a:ext>
+            </a:extLst>
+          </p:cNvPr>
+          <p:cNvPicPr>
+            <a:picLocks noChangeAspect="1"/>
+          </p:cNvPicPr>
+          <p:nvPr/>
+        </p:nvPicPr>
+        <p:blipFill>
+          <a:blip r:embed="rId3"/>
+          <a:stretch>
+            <a:fillRect/>
+          </a:stretch>
+        </p:blipFill>
+        <p:spPr>
+          <a:xfrm rot="738004">
+            <a:off x="2209800" y="1520143"/>
+            <a:ext cx="7772400" cy="3644872"/>
+          </a:xfrm>
+          <a:prstGeom prst="rect">
+            <a:avLst/>
+          </a:prstGeom>
+        </p:spPr>
+      </p:pic>
       <p:sp>
         <p:nvSpPr>
           <p:cNvPr id="7" name="Rectangle 6">
             <a:extLst>
               <a:ext uri="{FF2B5EF4-FFF2-40B4-BE49-F238E27FC236}">
-                <a16:creationId xmlns:a16="http://schemas.microsoft.com/office/drawing/2014/main" id="{7D7A5614-46DC-8558-E7A3-8FAF4DE4EACA}"/>
+                <a16:creationId xmlns:a16="http://schemas.microsoft.com/office/drawing/2014/main" id="{26C71640-2CBE-B82B-BC5B-32ABB74346A4}"/>
               </a:ext>
             </a:extLst>
           </p:cNvPr>
@@ -3651,7 +4929,7 @@
         </p:nvSpPr>
         <p:spPr>
           <a:xfrm>
-            <a:off x="2564522" y="2552028"/>
+            <a:off x="2375338" y="2301766"/>
             <a:ext cx="7641021" cy="798786"/>
           </a:xfrm>
           <a:prstGeom prst="rect">
@@ -3686,7 +4964,7 @@
     </p:spTree>
     <p:extLst>
       <p:ext uri="{BB962C8B-B14F-4D97-AF65-F5344CB8AC3E}">
-        <p14:creationId xmlns:p14="http://schemas.microsoft.com/office/powerpoint/2010/main" val="2441030940"/>
+        <p14:creationId xmlns:p14="http://schemas.microsoft.com/office/powerpoint/2010/main" val="3196384622"/>
       </p:ext>
     </p:extLst>
   </p:cSld>
@@ -3696,12 +4974,18 @@
 </p:sld>
 </file>
 
-<file path=ppt/slides/slide4.xml><?xml version="1.0" encoding="utf-8"?>
+<file path=ppt/slides/slide8.xml><?xml version="1.0" encoding="utf-8"?>
 <p:sld xmlns:a="http://schemas.openxmlformats.org/drawingml/2006/main" xmlns:r="http://schemas.openxmlformats.org/officeDocument/2006/relationships" xmlns:p="http://schemas.openxmlformats.org/presentationml/2006/main">
   <p:cSld>
     <p:spTree>
       <p:nvGrpSpPr>
-        <p:cNvPr id="1" name=""/>
+        <p:cNvPr id="1" name="">
+          <a:extLst>
+            <a:ext uri="{FF2B5EF4-FFF2-40B4-BE49-F238E27FC236}">
+              <a16:creationId xmlns:a16="http://schemas.microsoft.com/office/drawing/2014/main" id="{A3709CB2-0507-BA3B-570F-BD3DE9AB6F18}"/>
+            </a:ext>
+          </a:extLst>
+        </p:cNvPr>
         <p:cNvGrpSpPr/>
         <p:nvPr/>
       </p:nvGrpSpPr>
@@ -3718,7 +5002,7 @@
           <p:cNvPr id="2" name="Titre 1">
             <a:extLst>
               <a:ext uri="{FF2B5EF4-FFF2-40B4-BE49-F238E27FC236}">
-                <a16:creationId xmlns:a16="http://schemas.microsoft.com/office/drawing/2014/main" id="{9B05533B-2637-3116-BE18-043A221E7585}"/>
+                <a16:creationId xmlns:a16="http://schemas.microsoft.com/office/drawing/2014/main" id="{0F42978E-5F5E-02B3-BA8A-3A2048D46182}"/>
               </a:ext>
             </a:extLst>
           </p:cNvPr>
@@ -3736,33 +5020,16 @@
           <a:p>
             <a:r>
               <a:rPr lang="fr-FR" dirty="0"/>
-              <a:t>Test 5</a:t>
-            </a:r>
-          </a:p>
-        </p:txBody>
-      </p:sp>
-      <p:sp>
-        <p:nvSpPr>
-          <p:cNvPr id="3" name="Espace réservé du contenu 2">
-            <a:extLst>
-              <a:ext uri="{FF2B5EF4-FFF2-40B4-BE49-F238E27FC236}">
-                <a16:creationId xmlns:a16="http://schemas.microsoft.com/office/drawing/2014/main" id="{AF1404ED-6CBE-2F94-4A4F-522F0342743A}"/>
-              </a:ext>
-            </a:extLst>
-          </p:cNvPr>
-          <p:cNvSpPr>
-            <a:spLocks noGrp="1"/>
-          </p:cNvSpPr>
-          <p:nvPr>
-            <p:ph idx="1"/>
-          </p:nvPr>
-        </p:nvSpPr>
-        <p:spPr/>
-        <p:txBody>
-          <a:bodyPr/>
-          <a:lstStyle/>
-          <a:p>
-            <a:endParaRPr lang="fr-FR" dirty="0"/>
+              <a:t>Test 4 </a:t>
+            </a:r>
+            <a:r>
+              <a:rPr lang="fr-FR" dirty="0" err="1"/>
+              <a:t>before</a:t>
+            </a:r>
+            <a:r>
+              <a:rPr lang="fr-FR" dirty="0"/>
+              <a:t> *</a:t>
+            </a:r>
           </a:p>
         </p:txBody>
       </p:sp>
@@ -3771,7 +5038,7 @@
           <p:cNvPr id="4" name="Image 3">
             <a:extLst>
               <a:ext uri="{FF2B5EF4-FFF2-40B4-BE49-F238E27FC236}">
-                <a16:creationId xmlns:a16="http://schemas.microsoft.com/office/drawing/2014/main" id="{A6D2874B-AA24-D5E1-F677-1B62A307EE97}"/>
+                <a16:creationId xmlns:a16="http://schemas.microsoft.com/office/drawing/2014/main" id="{684CF597-AD7C-47F1-82E5-288BE016193D}"/>
               </a:ext>
             </a:extLst>
           </p:cNvPr>
@@ -3788,8 +5055,232 @@
         </p:blipFill>
         <p:spPr>
           <a:xfrm>
-            <a:off x="3683000" y="2330450"/>
-            <a:ext cx="4826000" cy="2197100"/>
+            <a:off x="3901747" y="2131987"/>
+            <a:ext cx="5702300" cy="2933700"/>
+          </a:xfrm>
+          <a:prstGeom prst="rect">
+            <a:avLst/>
+          </a:prstGeom>
+        </p:spPr>
+      </p:pic>
+      <p:sp>
+        <p:nvSpPr>
+          <p:cNvPr id="7" name="Rectangle 6">
+            <a:extLst>
+              <a:ext uri="{FF2B5EF4-FFF2-40B4-BE49-F238E27FC236}">
+                <a16:creationId xmlns:a16="http://schemas.microsoft.com/office/drawing/2014/main" id="{D9B29621-03F4-A1B5-3A8D-1352BC19B44A}"/>
+              </a:ext>
+            </a:extLst>
+          </p:cNvPr>
+          <p:cNvSpPr/>
+          <p:nvPr/>
+        </p:nvSpPr>
+        <p:spPr>
+          <a:xfrm>
+            <a:off x="2932387" y="2315999"/>
+            <a:ext cx="7641021" cy="798786"/>
+          </a:xfrm>
+          <a:prstGeom prst="rect">
+            <a:avLst/>
+          </a:prstGeom>
+        </p:spPr>
+        <p:style>
+          <a:lnRef idx="2">
+            <a:schemeClr val="accent1">
+              <a:shade val="15000"/>
+            </a:schemeClr>
+          </a:lnRef>
+          <a:fillRef idx="1">
+            <a:schemeClr val="accent1"/>
+          </a:fillRef>
+          <a:effectRef idx="0">
+            <a:schemeClr val="accent1"/>
+          </a:effectRef>
+          <a:fontRef idx="minor">
+            <a:schemeClr val="lt1"/>
+          </a:fontRef>
+        </p:style>
+        <p:txBody>
+          <a:bodyPr rtlCol="0" anchor="ctr"/>
+          <a:lstStyle/>
+          <a:p>
+            <a:pPr algn="ctr"/>
+            <a:endParaRPr lang="fr-FR"/>
+          </a:p>
+        </p:txBody>
+      </p:sp>
+    </p:spTree>
+    <p:extLst>
+      <p:ext uri="{BB962C8B-B14F-4D97-AF65-F5344CB8AC3E}">
+        <p14:creationId xmlns:p14="http://schemas.microsoft.com/office/powerpoint/2010/main" val="3498317576"/>
+      </p:ext>
+    </p:extLst>
+  </p:cSld>
+  <p:clrMapOvr>
+    <a:masterClrMapping/>
+  </p:clrMapOvr>
+</p:sld>
+</file>
+
+<file path=ppt/slides/slide9.xml><?xml version="1.0" encoding="utf-8"?>
+<p:sld xmlns:a="http://schemas.openxmlformats.org/drawingml/2006/main" xmlns:r="http://schemas.openxmlformats.org/officeDocument/2006/relationships" xmlns:p="http://schemas.openxmlformats.org/presentationml/2006/main">
+  <p:cSld>
+    <p:spTree>
+      <p:nvGrpSpPr>
+        <p:cNvPr id="1" name="">
+          <a:extLst>
+            <a:ext uri="{FF2B5EF4-FFF2-40B4-BE49-F238E27FC236}">
+              <a16:creationId xmlns:a16="http://schemas.microsoft.com/office/drawing/2014/main" id="{0F14727B-DB2B-5AC2-15C0-81D0A294980C}"/>
+            </a:ext>
+          </a:extLst>
+        </p:cNvPr>
+        <p:cNvGrpSpPr/>
+        <p:nvPr/>
+      </p:nvGrpSpPr>
+      <p:grpSpPr>
+        <a:xfrm>
+          <a:off x="0" y="0"/>
+          <a:ext cx="0" cy="0"/>
+          <a:chOff x="0" y="0"/>
+          <a:chExt cx="0" cy="0"/>
+        </a:xfrm>
+      </p:grpSpPr>
+      <p:sp>
+        <p:nvSpPr>
+          <p:cNvPr id="2" name="Titre 1">
+            <a:extLst>
+              <a:ext uri="{FF2B5EF4-FFF2-40B4-BE49-F238E27FC236}">
+                <a16:creationId xmlns:a16="http://schemas.microsoft.com/office/drawing/2014/main" id="{4AA04084-88F0-A8DD-0018-DCAB2993F8C8}"/>
+              </a:ext>
+            </a:extLst>
+          </p:cNvPr>
+          <p:cNvSpPr>
+            <a:spLocks noGrp="1"/>
+          </p:cNvSpPr>
+          <p:nvPr>
+            <p:ph type="title"/>
+          </p:nvPr>
+        </p:nvSpPr>
+        <p:spPr/>
+        <p:txBody>
+          <a:bodyPr/>
+          <a:lstStyle/>
+          <a:p>
+            <a:r>
+              <a:rPr lang="fr-FR" dirty="0"/>
+              <a:t>Test 5 </a:t>
+            </a:r>
+            <a:r>
+              <a:rPr lang="fr-FR" dirty="0" err="1"/>
+              <a:t>after</a:t>
+            </a:r>
+            <a:r>
+              <a:rPr lang="fr-FR" dirty="0"/>
+              <a:t> *</a:t>
+            </a:r>
+          </a:p>
+        </p:txBody>
+      </p:sp>
+      <p:pic>
+        <p:nvPicPr>
+          <p:cNvPr id="5" name="Image 4">
+            <a:extLst>
+              <a:ext uri="{FF2B5EF4-FFF2-40B4-BE49-F238E27FC236}">
+                <a16:creationId xmlns:a16="http://schemas.microsoft.com/office/drawing/2014/main" id="{5DD601E6-89E9-7A4B-8C30-2DAB2DEF4611}"/>
+              </a:ext>
+            </a:extLst>
+          </p:cNvPr>
+          <p:cNvPicPr>
+            <a:picLocks noChangeAspect="1"/>
+          </p:cNvPicPr>
+          <p:nvPr/>
+        </p:nvPicPr>
+        <p:blipFill>
+          <a:blip r:embed="rId2"/>
+          <a:stretch>
+            <a:fillRect/>
+          </a:stretch>
+        </p:blipFill>
+        <p:spPr>
+          <a:xfrm rot="341422">
+            <a:off x="5384800" y="2889250"/>
+            <a:ext cx="1422400" cy="1079500"/>
+          </a:xfrm>
+          <a:prstGeom prst="rect">
+            <a:avLst/>
+          </a:prstGeom>
+        </p:spPr>
+      </p:pic>
+      <p:sp>
+        <p:nvSpPr>
+          <p:cNvPr id="7" name="Rectangle 6">
+            <a:extLst>
+              <a:ext uri="{FF2B5EF4-FFF2-40B4-BE49-F238E27FC236}">
+                <a16:creationId xmlns:a16="http://schemas.microsoft.com/office/drawing/2014/main" id="{B033A259-C7FC-0A87-6AC4-C5BD5B3DAF9A}"/>
+              </a:ext>
+            </a:extLst>
+          </p:cNvPr>
+          <p:cNvSpPr/>
+          <p:nvPr/>
+        </p:nvSpPr>
+        <p:spPr>
+          <a:xfrm>
+            <a:off x="2932387" y="2315999"/>
+            <a:ext cx="7641021" cy="798786"/>
+          </a:xfrm>
+          <a:prstGeom prst="rect">
+            <a:avLst/>
+          </a:prstGeom>
+        </p:spPr>
+        <p:style>
+          <a:lnRef idx="2">
+            <a:schemeClr val="accent1">
+              <a:shade val="15000"/>
+            </a:schemeClr>
+          </a:lnRef>
+          <a:fillRef idx="1">
+            <a:schemeClr val="accent1"/>
+          </a:fillRef>
+          <a:effectRef idx="0">
+            <a:schemeClr val="accent1"/>
+          </a:effectRef>
+          <a:fontRef idx="minor">
+            <a:schemeClr val="lt1"/>
+          </a:fontRef>
+        </p:style>
+        <p:txBody>
+          <a:bodyPr rtlCol="0" anchor="ctr"/>
+          <a:lstStyle/>
+          <a:p>
+            <a:pPr algn="ctr"/>
+            <a:endParaRPr lang="fr-FR"/>
+          </a:p>
+        </p:txBody>
+      </p:sp>
+      <p:pic>
+        <p:nvPicPr>
+          <p:cNvPr id="3" name="Image 2">
+            <a:extLst>
+              <a:ext uri="{FF2B5EF4-FFF2-40B4-BE49-F238E27FC236}">
+                <a16:creationId xmlns:a16="http://schemas.microsoft.com/office/drawing/2014/main" id="{DF08D709-BEB2-D491-5E3A-A1998B1652A8}"/>
+              </a:ext>
+            </a:extLst>
+          </p:cNvPr>
+          <p:cNvPicPr>
+            <a:picLocks noChangeAspect="1"/>
+          </p:cNvPicPr>
+          <p:nvPr/>
+        </p:nvPicPr>
+        <p:blipFill>
+          <a:blip r:embed="rId3"/>
+          <a:stretch>
+            <a:fillRect/>
+          </a:stretch>
+        </p:blipFill>
+        <p:spPr>
+          <a:xfrm>
+            <a:off x="3597077" y="2552856"/>
+            <a:ext cx="6311639" cy="2490139"/>
           </a:xfrm>
           <a:prstGeom prst="rect">
             <a:avLst/>
@@ -3799,7 +5290,7 @@
     </p:spTree>
     <p:extLst>
       <p:ext uri="{BB962C8B-B14F-4D97-AF65-F5344CB8AC3E}">
-        <p14:creationId xmlns:p14="http://schemas.microsoft.com/office/powerpoint/2010/main" val="523313638"/>
+        <p14:creationId xmlns:p14="http://schemas.microsoft.com/office/powerpoint/2010/main" val="4177537824"/>
       </p:ext>
     </p:extLst>
   </p:cSld>
